--- a/DSI Project_2.pptx
+++ b/DSI Project_2.pptx
@@ -4803,41 +4803,12 @@
           <a:chExt cx="0" cy="0"/>
         </a:xfrm>
       </p:grpSpPr>
-      <p:sp>
-        <p:nvSpPr>
-          <p:cNvPr id="2" name="Title 1">
-            <a:extLst>
-              <a:ext uri="{FF2B5EF4-FFF2-40B4-BE49-F238E27FC236}">
-                <a16:creationId xmlns:a16="http://schemas.microsoft.com/office/drawing/2014/main" id="{5305CD0C-D92B-4B58-BB0B-62CC79E10902}"/>
-              </a:ext>
-            </a:extLst>
-          </p:cNvPr>
-          <p:cNvSpPr>
-            <a:spLocks noGrp="1"/>
-          </p:cNvSpPr>
-          <p:nvPr>
-            <p:ph type="title"/>
-          </p:nvPr>
-        </p:nvSpPr>
-        <p:spPr/>
-        <p:txBody>
-          <a:bodyPr/>
-          <a:lstStyle/>
-          <a:p>
-            <a:r>
-              <a:rPr lang="en-US" dirty="0"/>
-              <a:t>EDA: Selected Categorical Predictors</a:t>
-            </a:r>
-            <a:endParaRPr lang="en-SG" dirty="0"/>
-          </a:p>
-        </p:txBody>
-      </p:sp>
       <p:pic>
         <p:nvPicPr>
-          <p:cNvPr id="4" name="Picture 3">
-            <a:extLst>
-              <a:ext uri="{FF2B5EF4-FFF2-40B4-BE49-F238E27FC236}">
-                <a16:creationId xmlns:a16="http://schemas.microsoft.com/office/drawing/2014/main" id="{5BDBA6CA-6A94-4D0F-A020-4BF107FE9566}"/>
+          <p:cNvPr id="3" name="Picture 2">
+            <a:extLst>
+              <a:ext uri="{FF2B5EF4-FFF2-40B4-BE49-F238E27FC236}">
+                <a16:creationId xmlns:a16="http://schemas.microsoft.com/office/drawing/2014/main" id="{CAAB88A3-873D-4F99-9A1C-C99F715E7439}"/>
               </a:ext>
             </a:extLst>
           </p:cNvPr>
@@ -4846,15 +4817,16 @@
           </p:cNvPicPr>
           <p:nvPr/>
         </p:nvPicPr>
-        <p:blipFill rotWithShape="1">
+        <p:blipFill>
           <a:blip r:embed="rId2"/>
-          <a:srcRect t="17014"/>
-          <a:stretch/>
+          <a:stretch>
+            <a:fillRect/>
+          </a:stretch>
         </p:blipFill>
         <p:spPr>
           <a:xfrm>
-            <a:off x="3686131" y="2015231"/>
-            <a:ext cx="3661013" cy="3116061"/>
+            <a:off x="3269790" y="2531618"/>
+            <a:ext cx="4680001" cy="2736000"/>
           </a:xfrm>
           <a:prstGeom prst="rect">
             <a:avLst/>
@@ -4863,6 +4835,35 @@
       </p:pic>
       <p:sp>
         <p:nvSpPr>
+          <p:cNvPr id="2" name="Title 1">
+            <a:extLst>
+              <a:ext uri="{FF2B5EF4-FFF2-40B4-BE49-F238E27FC236}">
+                <a16:creationId xmlns:a16="http://schemas.microsoft.com/office/drawing/2014/main" id="{5305CD0C-D92B-4B58-BB0B-62CC79E10902}"/>
+              </a:ext>
+            </a:extLst>
+          </p:cNvPr>
+          <p:cNvSpPr>
+            <a:spLocks noGrp="1"/>
+          </p:cNvSpPr>
+          <p:nvPr>
+            <p:ph type="title"/>
+          </p:nvPr>
+        </p:nvSpPr>
+        <p:spPr/>
+        <p:txBody>
+          <a:bodyPr/>
+          <a:lstStyle/>
+          <a:p>
+            <a:r>
+              <a:rPr lang="en-US" dirty="0"/>
+              <a:t>EDA: Selected Categorical Predictors</a:t>
+            </a:r>
+            <a:endParaRPr lang="en-SG" dirty="0"/>
+          </a:p>
+        </p:txBody>
+      </p:sp>
+      <p:sp>
+        <p:nvSpPr>
           <p:cNvPr id="5" name="Rectangle 4">
             <a:extLst>
               <a:ext uri="{FF2B5EF4-FFF2-40B4-BE49-F238E27FC236}">
@@ -4875,112 +4876,8 @@
         </p:nvSpPr>
         <p:spPr>
           <a:xfrm>
-            <a:off x="3695010" y="3693110"/>
-            <a:ext cx="3652134" cy="1091953"/>
-          </a:xfrm>
-          <a:prstGeom prst="rect">
-            <a:avLst/>
-          </a:prstGeom>
-          <a:noFill/>
-          <a:ln>
-            <a:solidFill>
-              <a:srgbClr val="FF0000"/>
-            </a:solidFill>
-          </a:ln>
-        </p:spPr>
-        <p:style>
-          <a:lnRef idx="2">
-            <a:schemeClr val="accent1">
-              <a:shade val="50000"/>
-            </a:schemeClr>
-          </a:lnRef>
-          <a:fillRef idx="1">
-            <a:schemeClr val="accent1"/>
-          </a:fillRef>
-          <a:effectRef idx="0">
-            <a:schemeClr val="accent1"/>
-          </a:effectRef>
-          <a:fontRef idx="minor">
-            <a:schemeClr val="lt1"/>
-          </a:fontRef>
-        </p:style>
-        <p:txBody>
-          <a:bodyPr rtlCol="0" anchor="ctr"/>
-          <a:lstStyle/>
-          <a:p>
-            <a:pPr algn="ctr"/>
-            <a:endParaRPr lang="en-SG"/>
-          </a:p>
-        </p:txBody>
-      </p:sp>
-      <p:sp>
-        <p:nvSpPr>
-          <p:cNvPr id="6" name="Rectangle 5">
-            <a:extLst>
-              <a:ext uri="{FF2B5EF4-FFF2-40B4-BE49-F238E27FC236}">
-                <a16:creationId xmlns:a16="http://schemas.microsoft.com/office/drawing/2014/main" id="{7E65857C-D5C3-4B82-8091-E4F4333B0ECA}"/>
-              </a:ext>
-            </a:extLst>
-          </p:cNvPr>
-          <p:cNvSpPr/>
-          <p:nvPr/>
-        </p:nvSpPr>
-        <p:spPr>
-          <a:xfrm>
-            <a:off x="3682565" y="2862305"/>
-            <a:ext cx="3652134" cy="262635"/>
-          </a:xfrm>
-          <a:prstGeom prst="rect">
-            <a:avLst/>
-          </a:prstGeom>
-          <a:noFill/>
-          <a:ln>
-            <a:solidFill>
-              <a:srgbClr val="FF0000"/>
-            </a:solidFill>
-          </a:ln>
-        </p:spPr>
-        <p:style>
-          <a:lnRef idx="2">
-            <a:schemeClr val="accent1">
-              <a:shade val="50000"/>
-            </a:schemeClr>
-          </a:lnRef>
-          <a:fillRef idx="1">
-            <a:schemeClr val="accent1"/>
-          </a:fillRef>
-          <a:effectRef idx="0">
-            <a:schemeClr val="accent1"/>
-          </a:effectRef>
-          <a:fontRef idx="minor">
-            <a:schemeClr val="lt1"/>
-          </a:fontRef>
-        </p:style>
-        <p:txBody>
-          <a:bodyPr rtlCol="0" anchor="ctr"/>
-          <a:lstStyle/>
-          <a:p>
-            <a:pPr algn="ctr"/>
-            <a:endParaRPr lang="en-SG"/>
-          </a:p>
-        </p:txBody>
-      </p:sp>
-      <p:sp>
-        <p:nvSpPr>
-          <p:cNvPr id="12" name="Rectangle 11">
-            <a:extLst>
-              <a:ext uri="{FF2B5EF4-FFF2-40B4-BE49-F238E27FC236}">
-                <a16:creationId xmlns:a16="http://schemas.microsoft.com/office/drawing/2014/main" id="{E49C3F14-F9AA-448D-ABB7-2FFC129FCC78}"/>
-              </a:ext>
-            </a:extLst>
-          </p:cNvPr>
-          <p:cNvSpPr/>
-          <p:nvPr/>
-        </p:nvSpPr>
-        <p:spPr>
-          <a:xfrm>
-            <a:off x="3701806" y="2268983"/>
-            <a:ext cx="3652134" cy="262635"/>
+            <a:off x="3269790" y="3986075"/>
+            <a:ext cx="4578070" cy="648070"/>
           </a:xfrm>
           <a:prstGeom prst="rect">
             <a:avLst/>
